--- a/presentatie/finalpresentatie.pptx
+++ b/presentatie/finalpresentatie.pptx
@@ -21,7 +21,7 @@
     <p:sldId id="268" r:id="rId12"/>
     <p:sldId id="269" r:id="rId13"/>
     <p:sldId id="270" r:id="rId14"/>
-    <p:sldId id="271" r:id="rId15"/>
+    <p:sldId id="285" r:id="rId15"/>
     <p:sldId id="280" r:id="rId16"/>
     <p:sldId id="281" r:id="rId17"/>
   </p:sldIdLst>
@@ -1626,128 +1626,6 @@
             <a:tailEnd type="none" w="sm" len="sm"/>
           </a:ln>
         </p:spPr>
-      </p:sp>
-    </p:spTree>
-  </p:cSld>
-  <p:clrMapOvr>
-    <a:masterClrMapping/>
-  </p:clrMapOvr>
-</p:notes>
-</file>
-
-<file path=ppt/notesSlides/notesSlide11.xml><?xml version="1.0" encoding="utf-8"?>
-<p:notes xmlns:a="http://schemas.openxmlformats.org/drawingml/2006/main" xmlns:r="http://schemas.openxmlformats.org/officeDocument/2006/relationships" xmlns:p="http://schemas.openxmlformats.org/presentationml/2006/main" showMasterSp="0" showMasterPhAnim="0">
-  <p:cSld>
-    <p:spTree>
-      <p:nvGrpSpPr>
-        <p:cNvPr id="1" name="Shape 319"/>
-        <p:cNvGrpSpPr/>
-        <p:nvPr/>
-      </p:nvGrpSpPr>
-      <p:grpSpPr>
-        <a:xfrm>
-          <a:off x="0" y="0"/>
-          <a:ext cx="0" cy="0"/>
-          <a:chOff x="0" y="0"/>
-          <a:chExt cx="0" cy="0"/>
-        </a:xfrm>
-      </p:grpSpPr>
-      <p:sp>
-        <p:nvSpPr>
-          <p:cNvPr id="320" name="Google Shape;320;g8a01e4fd78_2_275:notes"/>
-          <p:cNvSpPr>
-            <a:spLocks noGrp="1" noRot="1" noChangeAspect="1"/>
-          </p:cNvSpPr>
-          <p:nvPr>
-            <p:ph type="sldImg" idx="2"/>
-          </p:nvPr>
-        </p:nvSpPr>
-        <p:spPr>
-          <a:xfrm>
-            <a:off x="381000" y="685800"/>
-            <a:ext cx="6096000" cy="3429000"/>
-          </a:xfrm>
-          <a:custGeom>
-            <a:avLst/>
-            <a:gdLst/>
-            <a:ahLst/>
-            <a:cxnLst/>
-            <a:rect l="l" t="t" r="r" b="b"/>
-            <a:pathLst>
-              <a:path w="120000" h="120000" extrusionOk="0">
-                <a:moveTo>
-                  <a:pt x="0" y="0"/>
-                </a:moveTo>
-                <a:lnTo>
-                  <a:pt x="120000" y="0"/>
-                </a:lnTo>
-                <a:lnTo>
-                  <a:pt x="120000" y="120000"/>
-                </a:lnTo>
-                <a:lnTo>
-                  <a:pt x="0" y="120000"/>
-                </a:lnTo>
-                <a:close/>
-              </a:path>
-            </a:pathLst>
-          </a:custGeom>
-          <a:noFill/>
-          <a:ln w="9525" cap="flat" cmpd="sng">
-            <a:solidFill>
-              <a:srgbClr val="000000"/>
-            </a:solidFill>
-            <a:prstDash val="solid"/>
-            <a:round/>
-            <a:headEnd type="none" w="sm" len="sm"/>
-            <a:tailEnd type="none" w="sm" len="sm"/>
-          </a:ln>
-        </p:spPr>
-      </p:sp>
-      <p:sp>
-        <p:nvSpPr>
-          <p:cNvPr id="321" name="Google Shape;321;g8a01e4fd78_2_275:notes"/>
-          <p:cNvSpPr txBox="1">
-            <a:spLocks noGrp="1"/>
-          </p:cNvSpPr>
-          <p:nvPr>
-            <p:ph type="body" idx="1"/>
-          </p:nvPr>
-        </p:nvSpPr>
-        <p:spPr>
-          <a:xfrm>
-            <a:off x="685800" y="4343400"/>
-            <a:ext cx="5486400" cy="4114800"/>
-          </a:xfrm>
-          <a:prstGeom prst="rect">
-            <a:avLst/>
-          </a:prstGeom>
-          <a:noFill/>
-          <a:ln>
-            <a:noFill/>
-          </a:ln>
-        </p:spPr>
-        <p:txBody>
-          <a:bodyPr spcFirstLastPara="1" wrap="square" lIns="91425" tIns="91425" rIns="91425" bIns="91425" anchor="t" anchorCtr="0">
-            <a:noAutofit/>
-          </a:bodyPr>
-          <a:lstStyle/>
-          <a:p>
-            <a:pPr marL="0" lvl="0" indent="0" algn="l" rtl="0">
-              <a:lnSpc>
-                <a:spcPct val="100000"/>
-              </a:lnSpc>
-              <a:spcBef>
-                <a:spcPts val="0"/>
-              </a:spcBef>
-              <a:spcAft>
-                <a:spcPts val="0"/>
-              </a:spcAft>
-              <a:buSzPts val="1100"/>
-              <a:buNone/>
-            </a:pPr>
-            <a:endParaRPr/>
-          </a:p>
-        </p:txBody>
       </p:sp>
     </p:spTree>
   </p:cSld>
@@ -20540,7 +20418,7 @@
   <p:cSld>
     <p:spTree>
       <p:nvGrpSpPr>
-        <p:cNvPr id="1" name="Shape 322"/>
+        <p:cNvPr id="1" name=""/>
         <p:cNvGrpSpPr/>
         <p:nvPr/>
       </p:nvGrpSpPr>
@@ -20554,60 +20432,10 @@
       </p:grpSpPr>
       <p:sp>
         <p:nvSpPr>
-          <p:cNvPr id="323" name="Google Shape;323;p52"/>
-          <p:cNvSpPr txBox="1">
-            <a:spLocks noGrp="1"/>
-          </p:cNvSpPr>
-          <p:nvPr>
-            <p:ph type="title"/>
-          </p:nvPr>
-        </p:nvSpPr>
-        <p:spPr>
-          <a:prstGeom prst="rect">
-            <a:avLst/>
-          </a:prstGeom>
-          <a:noFill/>
-          <a:ln>
-            <a:noFill/>
-          </a:ln>
-        </p:spPr>
-        <p:txBody>
-          <a:bodyPr spcFirstLastPara="1" wrap="square" lIns="0" tIns="0" rIns="0" bIns="0" anchor="b" anchorCtr="0">
-            <a:noAutofit/>
-          </a:bodyPr>
-          <a:lstStyle/>
-          <a:p>
-            <a:pPr marL="0" lvl="0" indent="0" algn="l" rtl="0">
-              <a:lnSpc>
-                <a:spcPct val="100000"/>
-              </a:lnSpc>
-              <a:spcBef>
-                <a:spcPts val="0"/>
-              </a:spcBef>
-              <a:spcAft>
-                <a:spcPts val="0"/>
-              </a:spcAft>
-              <a:buSzPts val="1400"/>
-              <a:buNone/>
-            </a:pPr>
-            <a:r>
-              <a:rPr lang="en-US" dirty="0" err="1"/>
-              <a:t>Resultaten</a:t>
-            </a:r>
-            <a:r>
-              <a:rPr lang="en-US" dirty="0"/>
-              <a:t>: runtime</a:t>
-            </a:r>
-            <a:endParaRPr dirty="0"/>
-          </a:p>
-        </p:txBody>
-      </p:sp>
-      <p:sp>
-        <p:nvSpPr>
-          <p:cNvPr id="2" name="Text Placeholder 1">
+          <p:cNvPr id="2" name="Title 1">
             <a:extLst>
               <a:ext uri="{FF2B5EF4-FFF2-40B4-BE49-F238E27FC236}">
-                <a16:creationId xmlns:a16="http://schemas.microsoft.com/office/drawing/2014/main" id="{0EC8702C-C0DD-45BB-864E-EC417C83235D}"/>
+                <a16:creationId xmlns:a16="http://schemas.microsoft.com/office/drawing/2014/main" id="{D4E5B7C4-7E89-455F-8854-5DB3EDFB747A}"/>
               </a:ext>
             </a:extLst>
           </p:cNvPr>
@@ -20615,465 +20443,22 @@
             <a:spLocks noGrp="1"/>
           </p:cNvSpPr>
           <p:nvPr>
-            <p:ph type="body" idx="1"/>
+            <p:ph type="title"/>
           </p:nvPr>
         </p:nvSpPr>
-        <p:spPr>
-          <a:xfrm>
-            <a:off x="1028701" y="1586204"/>
-            <a:ext cx="3082400" cy="2967000"/>
-          </a:xfrm>
-        </p:spPr>
+        <p:spPr/>
         <p:txBody>
           <a:bodyPr/>
           <a:lstStyle/>
           <a:p>
             <a:r>
-              <a:rPr lang="en-US" sz="1050" dirty="0" err="1"/>
-              <a:t>Looptijd</a:t>
+              <a:rPr lang="en-US" dirty="0" err="1"/>
+              <a:t>Resultaten</a:t>
             </a:r>
             <a:r>
-              <a:rPr lang="en-US" sz="1050" dirty="0"/>
-              <a:t> van HC, MC, SA </a:t>
+              <a:rPr lang="en-US" dirty="0"/>
+              <a:t>: scores</a:t>
             </a:r>
-            <a:r>
-              <a:rPr lang="en-US" sz="1050" dirty="0" err="1"/>
-              <a:t>en</a:t>
-            </a:r>
-            <a:r>
-              <a:rPr lang="en-US" sz="1050" dirty="0"/>
-              <a:t> SA+ is </a:t>
-            </a:r>
-            <a:r>
-              <a:rPr lang="en-US" sz="1050" dirty="0" err="1"/>
-              <a:t>afhankelijk</a:t>
-            </a:r>
-            <a:r>
-              <a:rPr lang="en-US" sz="1050" dirty="0"/>
-              <a:t> van het </a:t>
-            </a:r>
-            <a:r>
-              <a:rPr lang="en-US" sz="1050" dirty="0" err="1"/>
-              <a:t>aantal</a:t>
-            </a:r>
-            <a:r>
-              <a:rPr lang="en-US" sz="1050" dirty="0"/>
-              <a:t> </a:t>
-            </a:r>
-            <a:r>
-              <a:rPr lang="en-US" sz="1050" dirty="0" err="1"/>
-              <a:t>iteraties</a:t>
-            </a:r>
-            <a:r>
-              <a:rPr lang="en-US" sz="1050" dirty="0"/>
-              <a:t> </a:t>
-            </a:r>
-            <a:r>
-              <a:rPr lang="en-US" sz="1050" dirty="0" err="1"/>
-              <a:t>waar</a:t>
-            </a:r>
-            <a:r>
-              <a:rPr lang="en-US" sz="1050" dirty="0"/>
-              <a:t> </a:t>
-            </a:r>
-            <a:r>
-              <a:rPr lang="en-US" sz="1050" dirty="0" err="1"/>
-              <a:t>wij</a:t>
-            </a:r>
-            <a:r>
-              <a:rPr lang="en-US" sz="1050" dirty="0"/>
-              <a:t> </a:t>
-            </a:r>
-            <a:r>
-              <a:rPr lang="en-US" sz="1050" dirty="0" err="1"/>
-              <a:t>voor</a:t>
-            </a:r>
-            <a:r>
-              <a:rPr lang="en-US" sz="1050" dirty="0"/>
-              <a:t> </a:t>
-            </a:r>
-            <a:r>
-              <a:rPr lang="en-US" sz="1050" dirty="0" err="1"/>
-              <a:t>hebben</a:t>
-            </a:r>
-            <a:r>
-              <a:rPr lang="en-US" sz="1050" dirty="0"/>
-              <a:t> </a:t>
-            </a:r>
-            <a:r>
-              <a:rPr lang="en-US" sz="1050" dirty="0" err="1"/>
-              <a:t>gekozen</a:t>
-            </a:r>
-            <a:r>
-              <a:rPr lang="en-US" sz="1050" dirty="0"/>
-              <a:t> </a:t>
-            </a:r>
-            <a:r>
-              <a:rPr lang="en-US" sz="1050" dirty="0" err="1"/>
-              <a:t>en</a:t>
-            </a:r>
-            <a:r>
-              <a:rPr lang="en-US" sz="1050" dirty="0"/>
-              <a:t> </a:t>
-            </a:r>
-            <a:r>
-              <a:rPr lang="en-US" sz="1050" dirty="0" err="1"/>
-              <a:t>kan</a:t>
-            </a:r>
-            <a:r>
-              <a:rPr lang="en-US" sz="1050" dirty="0"/>
-              <a:t> de </a:t>
-            </a:r>
-            <a:r>
-              <a:rPr lang="en-US" sz="1050" dirty="0" err="1"/>
-              <a:t>beste</a:t>
-            </a:r>
-            <a:r>
-              <a:rPr lang="en-US" sz="1050" dirty="0"/>
-              <a:t> score </a:t>
-            </a:r>
-            <a:r>
-              <a:rPr lang="en-US" sz="1050" dirty="0" err="1"/>
-              <a:t>dus</a:t>
-            </a:r>
-            <a:r>
-              <a:rPr lang="en-US" sz="1050" dirty="0"/>
-              <a:t> </a:t>
-            </a:r>
-            <a:r>
-              <a:rPr lang="en-US" sz="1050" dirty="0" err="1"/>
-              <a:t>eerder</a:t>
-            </a:r>
-            <a:r>
-              <a:rPr lang="en-US" sz="1050" dirty="0"/>
-              <a:t> </a:t>
-            </a:r>
-            <a:r>
-              <a:rPr lang="en-US" sz="1050" dirty="0" err="1"/>
-              <a:t>gevonden</a:t>
-            </a:r>
-            <a:r>
-              <a:rPr lang="en-US" sz="1050" dirty="0"/>
-              <a:t> </a:t>
-            </a:r>
-            <a:r>
-              <a:rPr lang="en-US" sz="1050" dirty="0" err="1"/>
-              <a:t>zijn</a:t>
-            </a:r>
-            <a:endParaRPr lang="en-US" sz="1050" dirty="0"/>
-          </a:p>
-          <a:p>
-            <a:r>
-              <a:rPr lang="en-US" sz="1050" dirty="0" err="1"/>
-              <a:t>Bij</a:t>
-            </a:r>
-            <a:r>
-              <a:rPr lang="en-US" sz="1050" dirty="0"/>
-              <a:t> FF, GEN, BFBAB </a:t>
-            </a:r>
-            <a:r>
-              <a:rPr lang="en-US" sz="1050" dirty="0" err="1"/>
-              <a:t>en</a:t>
-            </a:r>
-            <a:r>
-              <a:rPr lang="en-US" sz="1050" dirty="0"/>
-              <a:t> </a:t>
-            </a:r>
-            <a:r>
-              <a:rPr lang="en-US" sz="1050" dirty="0" err="1"/>
-              <a:t>Okke</a:t>
-            </a:r>
-            <a:r>
-              <a:rPr lang="en-US" sz="1050" dirty="0"/>
-              <a:t> </a:t>
-            </a:r>
-            <a:r>
-              <a:rPr lang="en-US" sz="1050" dirty="0" err="1"/>
-              <a:t>wordt</a:t>
-            </a:r>
-            <a:r>
-              <a:rPr lang="en-US" sz="1050" dirty="0"/>
-              <a:t> de </a:t>
-            </a:r>
-            <a:r>
-              <a:rPr lang="en-US" sz="1050" dirty="0" err="1"/>
-              <a:t>beste</a:t>
-            </a:r>
-            <a:r>
-              <a:rPr lang="en-US" sz="1050" dirty="0"/>
-              <a:t> score pas </a:t>
-            </a:r>
-            <a:r>
-              <a:rPr lang="en-US" sz="1050" dirty="0" err="1"/>
-              <a:t>aan</a:t>
-            </a:r>
-            <a:r>
-              <a:rPr lang="en-US" sz="1050" dirty="0"/>
-              <a:t> het </a:t>
-            </a:r>
-            <a:r>
-              <a:rPr lang="en-US" sz="1050" dirty="0" err="1"/>
-              <a:t>eind</a:t>
-            </a:r>
-            <a:r>
-              <a:rPr lang="en-US" sz="1050" dirty="0"/>
-              <a:t> </a:t>
-            </a:r>
-            <a:r>
-              <a:rPr lang="en-US" sz="1050" dirty="0" err="1"/>
-              <a:t>gezocht</a:t>
-            </a:r>
-            <a:r>
-              <a:rPr lang="en-US" sz="1050" dirty="0"/>
-              <a:t> </a:t>
-            </a:r>
-            <a:r>
-              <a:rPr lang="en-US" sz="1050" dirty="0" err="1"/>
-              <a:t>nadat</a:t>
-            </a:r>
-            <a:r>
-              <a:rPr lang="en-US" sz="1050" dirty="0"/>
-              <a:t> het </a:t>
-            </a:r>
-            <a:r>
-              <a:rPr lang="en-US" sz="1050" dirty="0" err="1"/>
-              <a:t>programma</a:t>
-            </a:r>
-            <a:r>
-              <a:rPr lang="en-US" sz="1050" dirty="0"/>
-              <a:t> door </a:t>
-            </a:r>
-            <a:r>
-              <a:rPr lang="en-US" sz="1050" dirty="0" err="1"/>
-              <a:t>alle</a:t>
-            </a:r>
-            <a:r>
-              <a:rPr lang="en-US" sz="1050" dirty="0"/>
-              <a:t> </a:t>
-            </a:r>
-            <a:r>
-              <a:rPr lang="en-US" sz="1050" dirty="0" err="1"/>
-              <a:t>mogelijke</a:t>
-            </a:r>
-            <a:r>
-              <a:rPr lang="en-US" sz="1050" dirty="0"/>
-              <a:t> </a:t>
-            </a:r>
-            <a:r>
-              <a:rPr lang="en-US" sz="1050" dirty="0" err="1"/>
-              <a:t>configuraties</a:t>
-            </a:r>
-            <a:r>
-              <a:rPr lang="en-US" sz="1050" dirty="0"/>
-              <a:t> </a:t>
-            </a:r>
-            <a:r>
-              <a:rPr lang="en-US" sz="1050" dirty="0" err="1"/>
-              <a:t>heen</a:t>
-            </a:r>
-            <a:r>
-              <a:rPr lang="en-US" sz="1050" dirty="0"/>
-              <a:t> is.</a:t>
-            </a:r>
-          </a:p>
-          <a:p>
-            <a:r>
-              <a:rPr lang="en-US" sz="1050" dirty="0" err="1"/>
-              <a:t>Langere</a:t>
-            </a:r>
-            <a:r>
-              <a:rPr lang="en-US" sz="1050" dirty="0"/>
-              <a:t> </a:t>
-            </a:r>
-            <a:r>
-              <a:rPr lang="en-US" sz="1050" dirty="0" err="1"/>
-              <a:t>looptijd</a:t>
-            </a:r>
-            <a:r>
-              <a:rPr lang="en-US" sz="1050" dirty="0"/>
-              <a:t> is </a:t>
-            </a:r>
-            <a:r>
-              <a:rPr lang="en-US" sz="1050" dirty="0" err="1"/>
-              <a:t>dus</a:t>
-            </a:r>
-            <a:r>
-              <a:rPr lang="en-US" sz="1050" dirty="0"/>
-              <a:t> </a:t>
-            </a:r>
-            <a:r>
-              <a:rPr lang="en-US" sz="1050" dirty="0" err="1"/>
-              <a:t>niet</a:t>
-            </a:r>
-            <a:r>
-              <a:rPr lang="en-US" sz="1050" dirty="0"/>
-              <a:t> per se </a:t>
-            </a:r>
-            <a:r>
-              <a:rPr lang="en-US" sz="1050" dirty="0" err="1"/>
-              <a:t>indicatief</a:t>
-            </a:r>
-            <a:r>
-              <a:rPr lang="en-US" sz="1050" dirty="0"/>
-              <a:t> </a:t>
-            </a:r>
-            <a:r>
-              <a:rPr lang="en-US" sz="1050" dirty="0" err="1"/>
-              <a:t>voor</a:t>
-            </a:r>
-            <a:r>
-              <a:rPr lang="en-US" sz="1050" dirty="0"/>
-              <a:t> minder efficient </a:t>
-            </a:r>
-            <a:r>
-              <a:rPr lang="en-US" sz="1050" dirty="0" err="1"/>
-              <a:t>algoritme</a:t>
-            </a:r>
-            <a:r>
-              <a:rPr lang="en-US" sz="1050" dirty="0"/>
-              <a:t> </a:t>
-            </a:r>
-          </a:p>
-          <a:p>
-            <a:r>
-              <a:rPr lang="en-US" sz="1050" dirty="0" err="1"/>
-              <a:t>Wel</a:t>
-            </a:r>
-            <a:r>
-              <a:rPr lang="en-US" sz="1050" dirty="0"/>
-              <a:t> </a:t>
-            </a:r>
-            <a:r>
-              <a:rPr lang="en-US" sz="1050" dirty="0" err="1"/>
-              <a:t>kan</a:t>
-            </a:r>
-            <a:r>
-              <a:rPr lang="en-US" sz="1050" dirty="0"/>
-              <a:t> </a:t>
-            </a:r>
-            <a:r>
-              <a:rPr lang="en-US" sz="1050" dirty="0" err="1"/>
-              <a:t>gezegd</a:t>
-            </a:r>
-            <a:r>
-              <a:rPr lang="en-US" sz="1050" dirty="0"/>
-              <a:t> </a:t>
-            </a:r>
-            <a:r>
-              <a:rPr lang="en-US" sz="1050" dirty="0" err="1"/>
-              <a:t>worden</a:t>
-            </a:r>
-            <a:r>
-              <a:rPr lang="en-US" sz="1050" dirty="0"/>
-              <a:t> </a:t>
-            </a:r>
-            <a:r>
-              <a:rPr lang="en-US" sz="1050" dirty="0" err="1"/>
-              <a:t>dat</a:t>
-            </a:r>
-            <a:r>
-              <a:rPr lang="en-US" sz="1050" dirty="0"/>
-              <a:t> de </a:t>
-            </a:r>
-            <a:r>
-              <a:rPr lang="en-US" sz="1050" dirty="0" err="1"/>
-              <a:t>algoritmes</a:t>
-            </a:r>
-            <a:r>
-              <a:rPr lang="en-US" sz="1050" dirty="0"/>
-              <a:t> die </a:t>
-            </a:r>
-            <a:r>
-              <a:rPr lang="en-US" sz="1050" dirty="0" err="1"/>
-              <a:t>eerst</a:t>
-            </a:r>
-            <a:r>
-              <a:rPr lang="en-US" sz="1050" dirty="0"/>
-              <a:t> door </a:t>
-            </a:r>
-            <a:r>
-              <a:rPr lang="en-US" sz="1050" dirty="0" err="1"/>
-              <a:t>alle</a:t>
-            </a:r>
-            <a:r>
-              <a:rPr lang="en-US" sz="1050" dirty="0"/>
-              <a:t> </a:t>
-            </a:r>
-            <a:r>
-              <a:rPr lang="en-US" sz="1050" dirty="0" err="1"/>
-              <a:t>configuraties</a:t>
-            </a:r>
-            <a:r>
-              <a:rPr lang="en-US" sz="1050" dirty="0"/>
-              <a:t> </a:t>
-            </a:r>
-            <a:r>
-              <a:rPr lang="en-US" sz="1050" dirty="0" err="1"/>
-              <a:t>heen</a:t>
-            </a:r>
-            <a:r>
-              <a:rPr lang="en-US" sz="1050" dirty="0"/>
-              <a:t> </a:t>
-            </a:r>
-            <a:r>
-              <a:rPr lang="en-US" sz="1050" dirty="0" err="1"/>
-              <a:t>moeten</a:t>
-            </a:r>
-            <a:r>
-              <a:rPr lang="en-US" sz="1050" dirty="0"/>
-              <a:t> </a:t>
-            </a:r>
-            <a:r>
-              <a:rPr lang="en-US" sz="1050" dirty="0" err="1"/>
-              <a:t>en</a:t>
-            </a:r>
-            <a:r>
-              <a:rPr lang="en-US" sz="1050" dirty="0"/>
-              <a:t> </a:t>
-            </a:r>
-            <a:r>
-              <a:rPr lang="en-US" sz="1050" dirty="0" err="1"/>
-              <a:t>daarna</a:t>
-            </a:r>
-            <a:r>
-              <a:rPr lang="en-US" sz="1050" dirty="0"/>
-              <a:t> de best score </a:t>
-            </a:r>
-            <a:r>
-              <a:rPr lang="en-US" sz="1050" dirty="0" err="1"/>
-              <a:t>zoeken</a:t>
-            </a:r>
-            <a:r>
-              <a:rPr lang="en-US" sz="1050" dirty="0"/>
-              <a:t> </a:t>
-            </a:r>
-            <a:r>
-              <a:rPr lang="en-US" sz="1050" dirty="0" err="1"/>
-              <a:t>gemiddeld</a:t>
-            </a:r>
-            <a:r>
-              <a:rPr lang="en-US" sz="1050" dirty="0"/>
-              <a:t> </a:t>
-            </a:r>
-            <a:r>
-              <a:rPr lang="en-US" sz="1050" dirty="0" err="1"/>
-              <a:t>langer</a:t>
-            </a:r>
-            <a:r>
-              <a:rPr lang="en-US" sz="1050" dirty="0"/>
-              <a:t> </a:t>
-            </a:r>
-            <a:r>
-              <a:rPr lang="en-US" sz="1050" dirty="0" err="1"/>
-              <a:t>duren</a:t>
-            </a:r>
-            <a:r>
-              <a:rPr lang="en-US" sz="1050" dirty="0"/>
-              <a:t>. </a:t>
-            </a:r>
-          </a:p>
-          <a:p>
-            <a:endParaRPr lang="en-US" dirty="0"/>
           </a:p>
         </p:txBody>
       </p:sp>
@@ -21082,7 +20467,7 @@
           <p:cNvPr id="4" name="Picture 3" descr="A screenshot of a cell phone&#10;&#10;Description automatically generated">
             <a:extLst>
               <a:ext uri="{FF2B5EF4-FFF2-40B4-BE49-F238E27FC236}">
-                <a16:creationId xmlns:a16="http://schemas.microsoft.com/office/drawing/2014/main" id="{0A601C0F-904C-402A-8828-301D04FE3623}"/>
+                <a16:creationId xmlns:a16="http://schemas.microsoft.com/office/drawing/2014/main" id="{630A85AE-6523-406C-8870-C13B5D89C0F9}"/>
               </a:ext>
             </a:extLst>
           </p:cNvPr>
@@ -21092,15 +20477,15 @@
           <p:nvPr/>
         </p:nvPicPr>
         <p:blipFill>
-          <a:blip r:embed="rId3"/>
+          <a:blip r:embed="rId2"/>
           <a:stretch>
             <a:fillRect/>
           </a:stretch>
         </p:blipFill>
         <p:spPr>
           <a:xfrm>
-            <a:off x="4111101" y="1047565"/>
-            <a:ext cx="4887311" cy="3665483"/>
+            <a:off x="596775" y="1412340"/>
+            <a:ext cx="4121897" cy="3091423"/>
           </a:xfrm>
           <a:prstGeom prst="rect">
             <a:avLst/>
@@ -21108,6 +20493,11 @@
         </p:spPr>
       </p:pic>
     </p:spTree>
+    <p:extLst>
+      <p:ext uri="{BB962C8B-B14F-4D97-AF65-F5344CB8AC3E}">
+        <p14:creationId xmlns:p14="http://schemas.microsoft.com/office/powerpoint/2010/main" val="958923102"/>
+      </p:ext>
+    </p:extLst>
   </p:cSld>
   <p:clrMapOvr>
     <a:masterClrMapping/>
@@ -23000,27 +22390,32 @@
               <a:buChar char="•"/>
             </a:pPr>
             <a:r>
+              <a:rPr lang="en-US" sz="1400" dirty="0" err="1"/>
+              <a:t>Iteratieve</a:t>
+            </a:r>
+            <a:r>
+              <a:rPr lang="en-US" sz="1400" dirty="0"/>
+              <a:t>:</a:t>
+            </a:r>
+            <a:endParaRPr lang="nl" sz="1400" dirty="0"/>
+          </a:p>
+          <a:p>
+            <a:pPr marL="635000" lvl="1" indent="-177800">
+              <a:spcBef>
+                <a:spcPts val="0"/>
+              </a:spcBef>
+            </a:pPr>
+            <a:r>
               <a:rPr lang="nl" sz="1400" dirty="0"/>
               <a:t>Monte Carlo (2D + 3D)</a:t>
             </a:r>
             <a:endParaRPr dirty="0"/>
           </a:p>
           <a:p>
-            <a:pPr marL="177800" lvl="0" indent="-177800" algn="l" rtl="0">
-              <a:lnSpc>
-                <a:spcPct val="120000"/>
-              </a:lnSpc>
+            <a:pPr marL="635000" lvl="1" indent="-177800">
               <a:spcBef>
                 <a:spcPts val="800"/>
               </a:spcBef>
-              <a:spcAft>
-                <a:spcPts val="0"/>
-              </a:spcAft>
-              <a:buClr>
-                <a:schemeClr val="dk1"/>
-              </a:buClr>
-              <a:buSzPts val="1400"/>
-              <a:buChar char="•"/>
             </a:pPr>
             <a:r>
               <a:rPr lang="nl" sz="1400" dirty="0"/>
@@ -23029,27 +22424,27 @@
             <a:endParaRPr dirty="0"/>
           </a:p>
           <a:p>
-            <a:pPr marL="177800" lvl="0" indent="-177800" algn="l" rtl="0">
-              <a:lnSpc>
-                <a:spcPct val="120000"/>
-              </a:lnSpc>
+            <a:pPr marL="635000" lvl="1" indent="-177800">
               <a:spcBef>
                 <a:spcPts val="800"/>
               </a:spcBef>
-              <a:spcAft>
-                <a:spcPts val="0"/>
-              </a:spcAft>
-              <a:buClr>
-                <a:schemeClr val="dk1"/>
-              </a:buClr>
-              <a:buSzPts val="1400"/>
-              <a:buChar char="•"/>
             </a:pPr>
             <a:r>
               <a:rPr lang="nl" sz="1400" dirty="0"/>
               <a:t>Simulated Annealing en Simulated Annealing met toegevoegde zogenaamde “re-annealing” (2D + 3D)</a:t>
             </a:r>
-            <a:endParaRPr dirty="0"/>
+          </a:p>
+          <a:p>
+            <a:pPr marL="635000" lvl="1" indent="-177800">
+              <a:spcBef>
+                <a:spcPts val="800"/>
+              </a:spcBef>
+            </a:pPr>
+            <a:r>
+              <a:rPr lang="en-US" sz="1400" dirty="0"/>
+              <a:t>Genetic (2D)</a:t>
+            </a:r>
+            <a:endParaRPr sz="1400" dirty="0"/>
           </a:p>
           <a:p>
             <a:pPr marL="177800" lvl="0" indent="-177800" algn="l" rtl="0">
@@ -23069,78 +22464,16 @@
               <a:buChar char="•"/>
             </a:pPr>
             <a:r>
-              <a:rPr lang="nl" sz="1400" dirty="0"/>
-              <a:t>Breadth First Branch and Bound (2D + 3D)</a:t>
+              <a:rPr lang="en-US" sz="1400" dirty="0" err="1"/>
+              <a:t>Constructieve</a:t>
             </a:r>
-            <a:endParaRPr dirty="0"/>
+            <a:r>
+              <a:rPr lang="en-US" sz="1400" dirty="0"/>
+              <a:t>:</a:t>
+            </a:r>
           </a:p>
           <a:p>
-            <a:pPr marL="177800" lvl="0" indent="-177800" algn="l" rtl="0">
-              <a:lnSpc>
-                <a:spcPct val="120000"/>
-              </a:lnSpc>
-              <a:spcBef>
-                <a:spcPts val="800"/>
-              </a:spcBef>
-              <a:spcAft>
-                <a:spcPts val="0"/>
-              </a:spcAft>
-              <a:buClr>
-                <a:schemeClr val="dk1"/>
-              </a:buClr>
-              <a:buSzPts val="1400"/>
-              <a:buChar char="•"/>
-            </a:pPr>
-            <a:r>
-              <a:rPr lang="nl" sz="1400" dirty="0"/>
-              <a:t>Tree (2D)</a:t>
-            </a:r>
-            <a:endParaRPr dirty="0"/>
-          </a:p>
-          <a:p>
-            <a:pPr marL="177800" lvl="0" indent="-177800" algn="l" rtl="0">
-              <a:lnSpc>
-                <a:spcPct val="120000"/>
-              </a:lnSpc>
-              <a:spcBef>
-                <a:spcPts val="800"/>
-              </a:spcBef>
-              <a:spcAft>
-                <a:spcPts val="0"/>
-              </a:spcAft>
-              <a:buClr>
-                <a:schemeClr val="dk1"/>
-              </a:buClr>
-              <a:buSzPts val="1400"/>
-              <a:buChar char="•"/>
-            </a:pPr>
-            <a:r>
-              <a:rPr lang="nl" sz="1400" dirty="0"/>
-              <a:t>Firefly (2D)</a:t>
-            </a:r>
-            <a:endParaRPr dirty="0"/>
-          </a:p>
-          <a:p>
-            <a:pPr marL="177800" lvl="0" indent="-177800" algn="l" rtl="0">
-              <a:lnSpc>
-                <a:spcPct val="120000"/>
-              </a:lnSpc>
-              <a:spcBef>
-                <a:spcPts val="800"/>
-              </a:spcBef>
-              <a:spcAft>
-                <a:spcPts val="0"/>
-              </a:spcAft>
-              <a:buClr>
-                <a:schemeClr val="dk1"/>
-              </a:buClr>
-              <a:buSzPts val="1400"/>
-              <a:buChar char="•"/>
-            </a:pPr>
-            <a:r>
-              <a:rPr lang="nl" sz="1400" dirty="0"/>
-              <a:t>Dead-end Elimination (</a:t>
-            </a:r>
+            <a:pPr marL="635000" lvl="1" indent="-177800"/>
             <a:r>
               <a:rPr lang="en-US" sz="1400" dirty="0" err="1"/>
               <a:t>Okke’s</a:t>
@@ -23155,34 +22488,43 @@
             </a:r>
             <a:r>
               <a:rPr lang="en-US" sz="1400" dirty="0"/>
-              <a:t>)</a:t>
+              <a:t> (2D)</a:t>
             </a:r>
+            <a:endParaRPr lang="nl" sz="1400" dirty="0"/>
+          </a:p>
+          <a:p>
+            <a:pPr marL="635000" lvl="1" indent="-177800">
+              <a:spcBef>
+                <a:spcPts val="800"/>
+              </a:spcBef>
+            </a:pPr>
             <a:r>
               <a:rPr lang="nl" sz="1400" dirty="0"/>
-              <a:t> (2D)</a:t>
+              <a:t>Breadth First Branch and Bound (2D + 3D)</a:t>
             </a:r>
             <a:endParaRPr dirty="0"/>
           </a:p>
           <a:p>
-            <a:pPr marL="177800" lvl="0" indent="-177800" algn="l" rtl="0">
-              <a:lnSpc>
-                <a:spcPct val="120000"/>
-              </a:lnSpc>
+            <a:pPr marL="635000" lvl="1" indent="-177800">
               <a:spcBef>
                 <a:spcPts val="800"/>
               </a:spcBef>
-              <a:spcAft>
-                <a:spcPts val="0"/>
-              </a:spcAft>
-              <a:buClr>
-                <a:schemeClr val="dk1"/>
-              </a:buClr>
-              <a:buSzPts val="1400"/>
-              <a:buChar char="•"/>
             </a:pPr>
             <a:r>
               <a:rPr lang="nl" sz="1400" dirty="0"/>
-              <a:t>Genetic (2D)</a:t>
+              <a:t>Tree (2D)</a:t>
+            </a:r>
+            <a:endParaRPr dirty="0"/>
+          </a:p>
+          <a:p>
+            <a:pPr marL="635000" lvl="1" indent="-177800">
+              <a:spcBef>
+                <a:spcPts val="800"/>
+              </a:spcBef>
+            </a:pPr>
+            <a:r>
+              <a:rPr lang="nl" sz="1400" dirty="0"/>
+              <a:t>Firefly (2D)</a:t>
             </a:r>
             <a:endParaRPr dirty="0"/>
           </a:p>
@@ -23736,8 +23078,8 @@
           </a:p>
         </p:txBody>
       </p:sp>
-      <mc:AlternateContent xmlns:mc="http://schemas.openxmlformats.org/markup-compatibility/2006" xmlns:a14="http://schemas.microsoft.com/office/drawing/2010/main">
-        <mc:Choice Requires="a14">
+      <mc:AlternateContent xmlns:mc="http://schemas.openxmlformats.org/markup-compatibility/2006">
+        <mc:Choice xmlns:a14="http://schemas.microsoft.com/office/drawing/2010/main" Requires="a14">
           <p:sp>
             <p:nvSpPr>
               <p:cNvPr id="3" name="Text Placeholder 2">
@@ -23765,56 +23107,151 @@
               <a:lstStyle/>
               <a:p>
                 <a:r>
-                  <a:rPr lang="en-US" dirty="0"/>
+                  <a:rPr lang="en-US" sz="1200" dirty="0"/>
                   <a:t>Verschil met HC: </a:t>
                 </a:r>
                 <a:r>
-                  <a:rPr lang="nl" dirty="0"/>
+                  <a:rPr lang="nl" sz="1200" dirty="0"/>
                   <a:t>Configuratie kan ook worden aangenomen bij verslechtering van de score</a:t>
                 </a:r>
+              </a:p>
+              <a:p>
+                <a:r>
+                  <a:rPr lang="nl" sz="1200" dirty="0"/>
+                  <a:t>Eigen aanpassing: </a:t>
+                </a:r>
+                <a:r>
+                  <a:rPr lang="en-US" sz="1200" dirty="0" err="1"/>
+                  <a:t>als</a:t>
+                </a:r>
+                <a:r>
+                  <a:rPr lang="en-US" sz="1200" dirty="0"/>
+                  <a:t> </a:t>
+                </a:r>
+                <a:r>
+                  <a:rPr lang="en-US" sz="1200" dirty="0" err="1"/>
+                  <a:t>een</a:t>
+                </a:r>
+                <a:r>
+                  <a:rPr lang="en-US" sz="1200" dirty="0"/>
+                  <a:t> score </a:t>
+                </a:r>
+                <a:r>
+                  <a:rPr lang="en-US" sz="1200" dirty="0" err="1"/>
+                  <a:t>een</a:t>
+                </a:r>
+                <a:r>
+                  <a:rPr lang="en-US" sz="1200" dirty="0"/>
+                  <a:t> </a:t>
+                </a:r>
+                <a:r>
+                  <a:rPr lang="en-US" sz="1200" dirty="0" err="1"/>
+                  <a:t>tijdje</a:t>
+                </a:r>
+                <a:r>
+                  <a:rPr lang="en-US" sz="1200" dirty="0"/>
+                  <a:t> </a:t>
+                </a:r>
+                <a:r>
+                  <a:rPr lang="en-US" sz="1200" dirty="0" err="1"/>
+                  <a:t>gelijk</a:t>
+                </a:r>
+                <a:r>
+                  <a:rPr lang="en-US" sz="1200" dirty="0"/>
+                  <a:t> </a:t>
+                </a:r>
+                <a:r>
+                  <a:rPr lang="en-US" sz="1200" dirty="0" err="1"/>
+                  <a:t>blijft</a:t>
+                </a:r>
+                <a:r>
+                  <a:rPr lang="en-US" sz="1200" dirty="0"/>
+                  <a:t> de </a:t>
+                </a:r>
+                <a:r>
+                  <a:rPr lang="en-US" sz="1200" dirty="0" err="1"/>
+                  <a:t>acceptatiekans</a:t>
+                </a:r>
+                <a:r>
+                  <a:rPr lang="en-US" sz="1200" dirty="0"/>
+                  <a:t> </a:t>
+                </a:r>
+                <a:r>
+                  <a:rPr lang="en-US" sz="1200" dirty="0" err="1"/>
+                  <a:t>weer</a:t>
+                </a:r>
+                <a:r>
+                  <a:rPr lang="en-US" sz="1200" dirty="0"/>
+                  <a:t> </a:t>
+                </a:r>
+                <a:r>
+                  <a:rPr lang="en-US" sz="1200" dirty="0" err="1"/>
+                  <a:t>opschroeven</a:t>
+                </a:r>
+                <a:r>
+                  <a:rPr lang="en-US" sz="1200" dirty="0"/>
+                  <a:t> </a:t>
+                </a:r>
+                <a:r>
+                  <a:rPr lang="en-US" sz="1200" dirty="0" err="1"/>
+                  <a:t>en</a:t>
+                </a:r>
+                <a:r>
+                  <a:rPr lang="en-US" sz="1200" dirty="0"/>
+                  <a:t> </a:t>
+                </a:r>
+                <a:r>
+                  <a:rPr lang="en-US" sz="1200" dirty="0" err="1"/>
+                  <a:t>opnieuw</a:t>
+                </a:r>
+                <a:r>
+                  <a:rPr lang="en-US" sz="1200" dirty="0"/>
+                  <a:t> annealing.</a:t>
+                </a:r>
+                <a:endParaRPr lang="nl" sz="1200" dirty="0"/>
               </a:p>
               <a:p>
                 <a:pPr marL="139700" indent="0">
                   <a:buNone/>
                 </a:pPr>
                 <a:r>
-                  <a:rPr lang="en-US" dirty="0"/>
+                  <a:rPr lang="en-US" sz="1200" dirty="0"/>
                   <a:t>S</a:t>
                 </a:r>
                 <a:r>
-                  <a:rPr lang="nl" dirty="0"/>
+                  <a:rPr lang="nl" sz="1200" dirty="0"/>
                   <a:t>tarttemp: een </a:t>
                 </a:r>
                 <a:r>
-                  <a:rPr lang="en-US" dirty="0" err="1"/>
+                  <a:rPr lang="en-US" sz="1200" dirty="0" err="1"/>
                   <a:t>zelf</a:t>
                 </a:r>
                 <a:r>
-                  <a:rPr lang="en-US" dirty="0"/>
+                  <a:rPr lang="en-US" sz="1200" dirty="0"/>
                   <a:t> </a:t>
                 </a:r>
                 <a:r>
-                  <a:rPr lang="en-US" dirty="0" err="1"/>
+                  <a:rPr lang="en-US" sz="1200" dirty="0" err="1"/>
                   <a:t>te</a:t>
                 </a:r>
                 <a:r>
-                  <a:rPr lang="en-US" dirty="0"/>
+                  <a:rPr lang="en-US" sz="1200" dirty="0"/>
                   <a:t> </a:t>
                 </a:r>
                 <a:r>
-                  <a:rPr lang="en-US" dirty="0" err="1"/>
+                  <a:rPr lang="en-US" sz="1200" dirty="0" err="1"/>
                   <a:t>bepalen</a:t>
                 </a:r>
                 <a:r>
-                  <a:rPr lang="en-US" dirty="0"/>
+                  <a:rPr lang="en-US" sz="1200" dirty="0"/>
                   <a:t> </a:t>
                 </a:r>
                 <a:r>
-                  <a:rPr lang="en-US" dirty="0" err="1"/>
+                  <a:rPr lang="en-US" sz="1200" dirty="0" err="1"/>
                   <a:t>waarde</a:t>
                 </a:r>
                 <a:r>
-                  <a:rPr lang="en-US" dirty="0"/>
+                  <a:rPr lang="en-US" sz="1200" dirty="0"/>
                   <a:t>.</a:t>
                 </a:r>
               </a:p>
@@ -23822,30 +23259,30 @@
                 <a:pPr marL="139700" indent="0">
                   <a:buNone/>
                 </a:pPr>
-                <a:endParaRPr lang="en-US" dirty="0"/>
+                <a:endParaRPr lang="en-US" sz="1200" dirty="0"/>
               </a:p>
               <a:p>
                 <a:pPr marL="139700" indent="0">
                   <a:buNone/>
                 </a:pPr>
                 <a:r>
-                  <a:rPr lang="en-US" dirty="0" err="1"/>
+                  <a:rPr lang="en-US" sz="1200" dirty="0" err="1"/>
                   <a:t>Temperatuur</a:t>
                 </a:r>
                 <a:r>
-                  <a:rPr lang="en-US" dirty="0"/>
+                  <a:rPr lang="en-US" sz="1200" dirty="0"/>
                   <a:t> = </a:t>
                 </a:r>
                 <a14:m>
                   <m:oMath xmlns:m="http://schemas.openxmlformats.org/officeDocument/2006/math">
                     <m:r>
-                      <a:rPr lang="nl-NL" b="0" i="1" smtClean="0">
+                      <a:rPr lang="nl-NL" sz="1200" b="0" i="1" smtClean="0">
                         <a:latin typeface="Cambria Math" panose="02040503050406030204" pitchFamily="18" charset="0"/>
                       </a:rPr>
                       <m:t>𝑠𝑡𝑎𝑟𝑡𝑡𝑒𝑚𝑝</m:t>
                     </m:r>
                     <m:r>
-                      <a:rPr lang="nl-NL" b="0" i="1" smtClean="0">
+                      <a:rPr lang="nl-NL" sz="1200" b="0" i="1" smtClean="0">
                         <a:latin typeface="Cambria Math" panose="02040503050406030204" pitchFamily="18" charset="0"/>
                       </a:rPr>
                       <m:t> ∗(</m:t>
@@ -23853,14 +23290,14 @@
                     <m:sSup>
                       <m:sSupPr>
                         <m:ctrlPr>
-                          <a:rPr lang="nl-NL" b="0" i="1" smtClean="0">
+                          <a:rPr lang="nl-NL" sz="1200" b="0" i="1" smtClean="0">
                             <a:latin typeface="Cambria Math" panose="02040503050406030204" pitchFamily="18" charset="0"/>
                           </a:rPr>
                         </m:ctrlPr>
                       </m:sSupPr>
                       <m:e>
                         <m:r>
-                          <a:rPr lang="nl-NL" i="1">
+                          <a:rPr lang="nl-NL" sz="1200" i="1">
                             <a:latin typeface="Cambria Math" panose="02040503050406030204" pitchFamily="18" charset="0"/>
                           </a:rPr>
                           <m:t>0.997</m:t>
@@ -23868,7 +23305,7 @@
                       </m:e>
                       <m:sup>
                         <m:r>
-                          <a:rPr lang="nl-NL" b="0" i="1" smtClean="0">
+                          <a:rPr lang="nl-NL" sz="1200" b="0" i="1" smtClean="0">
                             <a:latin typeface="Cambria Math" panose="02040503050406030204" pitchFamily="18" charset="0"/>
                           </a:rPr>
                           <m:t>𝑖𝑡𝑒𝑟𝑎𝑡𝑖𝑒</m:t>
@@ -23878,7 +23315,7 @@
                   </m:oMath>
                 </a14:m>
                 <a:r>
-                  <a:rPr lang="en-US" dirty="0"/>
+                  <a:rPr lang="en-US" sz="1200" dirty="0"/>
                   <a:t>)</a:t>
                 </a:r>
               </a:p>
@@ -23887,17 +23324,17 @@
                   <a:buNone/>
                 </a:pPr>
                 <a:r>
-                  <a:rPr lang="en-US" dirty="0" err="1"/>
+                  <a:rPr lang="en-US" sz="1200" dirty="0" err="1"/>
                   <a:t>Acceptatiekans</a:t>
                 </a:r>
                 <a:r>
-                  <a:rPr lang="en-US" dirty="0"/>
+                  <a:rPr lang="en-US" sz="1200" dirty="0"/>
                   <a:t> =</a:t>
                 </a:r>
                 <a14:m>
                   <m:oMath xmlns:m="http://schemas.openxmlformats.org/officeDocument/2006/math">
                     <m:r>
-                      <a:rPr lang="nl-NL" b="0" i="0" dirty="0" smtClean="0">
+                      <a:rPr lang="nl-NL" sz="1200" b="0" i="0" dirty="0" smtClean="0">
                         <a:latin typeface="Cambria Math" panose="02040503050406030204" pitchFamily="18" charset="0"/>
                       </a:rPr>
                       <m:t> </m:t>
@@ -23905,14 +23342,14 @@
                     <m:sSup>
                       <m:sSupPr>
                         <m:ctrlPr>
-                          <a:rPr lang="nl-NL" b="0" i="1" dirty="0" smtClean="0">
+                          <a:rPr lang="nl-NL" sz="1200" b="0" i="1" dirty="0" smtClean="0">
                             <a:latin typeface="Cambria Math" panose="02040503050406030204" pitchFamily="18" charset="0"/>
                           </a:rPr>
                         </m:ctrlPr>
                       </m:sSupPr>
                       <m:e>
                         <m:r>
-                          <a:rPr lang="nl-NL" b="0" i="1" dirty="0" smtClean="0">
+                          <a:rPr lang="nl-NL" sz="1200" b="0" i="1" dirty="0" smtClean="0">
                             <a:latin typeface="Cambria Math" panose="02040503050406030204" pitchFamily="18" charset="0"/>
                           </a:rPr>
                           <m:t>2</m:t>
@@ -23920,67 +23357,67 @@
                       </m:e>
                       <m:sup>
                         <m:r>
-                          <a:rPr lang="nl-NL" i="1" dirty="0">
+                          <a:rPr lang="nl-NL" sz="1200" i="1" dirty="0">
                             <a:latin typeface="Cambria Math" panose="02040503050406030204" pitchFamily="18" charset="0"/>
                           </a:rPr>
                           <m:t>(</m:t>
                         </m:r>
                         <m:r>
-                          <a:rPr lang="en-US" i="1" dirty="0">
+                          <a:rPr lang="en-US" sz="1200" i="1" dirty="0">
                             <a:latin typeface="Cambria Math" panose="02040503050406030204" pitchFamily="18" charset="0"/>
                           </a:rPr>
                           <m:t>𝑜𝑢𝑑</m:t>
                         </m:r>
                         <m:r>
-                          <a:rPr lang="nl-NL" i="1" dirty="0">
+                          <a:rPr lang="nl-NL" sz="1200" i="1" dirty="0">
                             <a:latin typeface="Cambria Math" panose="02040503050406030204" pitchFamily="18" charset="0"/>
                           </a:rPr>
                           <m:t>𝑒</m:t>
                         </m:r>
                         <m:r>
-                          <a:rPr lang="nl-NL" i="1" dirty="0">
+                          <a:rPr lang="nl-NL" sz="1200" i="1" dirty="0">
                             <a:latin typeface="Cambria Math" panose="02040503050406030204" pitchFamily="18" charset="0"/>
                           </a:rPr>
                           <m:t> </m:t>
                         </m:r>
                         <m:r>
-                          <a:rPr lang="nl-NL" i="1" dirty="0">
+                          <a:rPr lang="nl-NL" sz="1200" i="1" dirty="0">
                             <a:latin typeface="Cambria Math" panose="02040503050406030204" pitchFamily="18" charset="0"/>
                           </a:rPr>
                           <m:t>𝑠𝑐𝑜𝑟𝑒</m:t>
                         </m:r>
                         <m:r>
-                          <a:rPr lang="en-US" i="1" dirty="0">
+                          <a:rPr lang="en-US" sz="1200" i="1" dirty="0">
                             <a:latin typeface="Cambria Math" panose="02040503050406030204" pitchFamily="18" charset="0"/>
                           </a:rPr>
                           <m:t>– </m:t>
                         </m:r>
                         <m:r>
-                          <a:rPr lang="en-US" i="1" dirty="0">
+                          <a:rPr lang="en-US" sz="1200" i="1" dirty="0">
                             <a:latin typeface="Cambria Math" panose="02040503050406030204" pitchFamily="18" charset="0"/>
                           </a:rPr>
                           <m:t>𝑛𝑖𝑒𝑢𝑤𝑒</m:t>
                         </m:r>
                         <m:r>
-                          <a:rPr lang="nl-NL" i="1" dirty="0">
+                          <a:rPr lang="nl-NL" sz="1200" i="1" dirty="0">
                             <a:latin typeface="Cambria Math" panose="02040503050406030204" pitchFamily="18" charset="0"/>
                           </a:rPr>
                           <m:t> </m:t>
                         </m:r>
                         <m:r>
-                          <a:rPr lang="nl-NL" i="1" dirty="0">
+                          <a:rPr lang="nl-NL" sz="1200" i="1" dirty="0">
                             <a:latin typeface="Cambria Math" panose="02040503050406030204" pitchFamily="18" charset="0"/>
                           </a:rPr>
                           <m:t>𝑠𝑐𝑜𝑟𝑒</m:t>
                         </m:r>
                         <m:r>
-                          <a:rPr lang="en-US" i="1" dirty="0">
+                          <a:rPr lang="en-US" sz="1200" i="1" dirty="0">
                             <a:latin typeface="Cambria Math" panose="02040503050406030204" pitchFamily="18" charset="0"/>
                           </a:rPr>
                           <m:t>) /</m:t>
                         </m:r>
                         <m:r>
-                          <a:rPr lang="en-US" i="1" dirty="0" err="1">
+                          <a:rPr lang="en-US" sz="1200" i="1" dirty="0" err="1">
                             <a:latin typeface="Cambria Math" panose="02040503050406030204" pitchFamily="18" charset="0"/>
                           </a:rPr>
                           <m:t>𝑡𝑒𝑚𝑝𝑒𝑟𝑎𝑡𝑢𝑢𝑟</m:t>
@@ -23989,59 +23426,59 @@
                           <m:rPr>
                             <m:nor/>
                           </m:rPr>
-                          <a:rPr lang="en-US" dirty="0"/>
+                          <a:rPr lang="en-US" sz="1200" dirty="0"/>
                           <m:t> </m:t>
                         </m:r>
                       </m:sup>
                     </m:sSup>
                   </m:oMath>
                 </a14:m>
-                <a:endParaRPr lang="en-US" dirty="0"/>
+                <a:endParaRPr lang="en-US" sz="1200" dirty="0"/>
               </a:p>
               <a:p>
                 <a:pPr marL="139700" indent="0">
                   <a:buNone/>
                 </a:pPr>
-                <a:endParaRPr lang="en-US" dirty="0"/>
+                <a:endParaRPr lang="en-US" sz="1200" dirty="0"/>
               </a:p>
               <a:p>
                 <a:pPr marL="139700" indent="0">
                   <a:buNone/>
                 </a:pPr>
                 <a:r>
-                  <a:rPr lang="en-US" dirty="0"/>
+                  <a:rPr lang="en-US" sz="1200" dirty="0"/>
                   <a:t>Threshold is </a:t>
                 </a:r>
                 <a:r>
-                  <a:rPr lang="en-US" dirty="0" err="1"/>
+                  <a:rPr lang="en-US" sz="1200" dirty="0" err="1"/>
                   <a:t>een</a:t>
                 </a:r>
                 <a:r>
-                  <a:rPr lang="en-US" dirty="0"/>
+                  <a:rPr lang="en-US" sz="1200" dirty="0"/>
                   <a:t> random </a:t>
                 </a:r>
                 <a:r>
-                  <a:rPr lang="en-US" dirty="0" err="1"/>
+                  <a:rPr lang="en-US" sz="1200" dirty="0" err="1"/>
                   <a:t>waarde</a:t>
                 </a:r>
                 <a:r>
-                  <a:rPr lang="en-US" dirty="0"/>
+                  <a:rPr lang="en-US" sz="1200" dirty="0"/>
                   <a:t> </a:t>
                 </a:r>
                 <a:r>
-                  <a:rPr lang="en-US" dirty="0" err="1"/>
+                  <a:rPr lang="en-US" sz="1200" dirty="0" err="1"/>
                   <a:t>tussen</a:t>
                 </a:r>
                 <a:r>
-                  <a:rPr lang="en-US" dirty="0"/>
+                  <a:rPr lang="en-US" sz="1200" dirty="0"/>
                   <a:t> 0 </a:t>
                 </a:r>
                 <a:r>
-                  <a:rPr lang="en-US" dirty="0" err="1"/>
+                  <a:rPr lang="en-US" sz="1200" dirty="0" err="1"/>
                   <a:t>en</a:t>
                 </a:r>
                 <a:r>
-                  <a:rPr lang="en-US" dirty="0"/>
+                  <a:rPr lang="en-US" sz="1200" dirty="0"/>
                   <a:t> 1</a:t>
                 </a:r>
               </a:p>
@@ -24050,51 +23487,51 @@
                   <a:buNone/>
                 </a:pPr>
                 <a:r>
-                  <a:rPr lang="en-US" dirty="0" err="1"/>
+                  <a:rPr lang="en-US" sz="1200" dirty="0" err="1"/>
                   <a:t>Verslechtering</a:t>
                 </a:r>
                 <a:r>
-                  <a:rPr lang="en-US" dirty="0"/>
+                  <a:rPr lang="en-US" sz="1200" dirty="0"/>
                   <a:t> </a:t>
                 </a:r>
                 <a:r>
-                  <a:rPr lang="en-US" dirty="0" err="1"/>
+                  <a:rPr lang="en-US" sz="1200" dirty="0" err="1"/>
                   <a:t>wordt</a:t>
                 </a:r>
                 <a:r>
-                  <a:rPr lang="en-US" dirty="0"/>
+                  <a:rPr lang="en-US" sz="1200" dirty="0"/>
                   <a:t> </a:t>
                 </a:r>
                 <a:r>
-                  <a:rPr lang="en-US" dirty="0" err="1"/>
+                  <a:rPr lang="en-US" sz="1200" dirty="0" err="1"/>
                   <a:t>aangenomen</a:t>
                 </a:r>
                 <a:r>
-                  <a:rPr lang="en-US" dirty="0"/>
+                  <a:rPr lang="en-US" sz="1200" dirty="0"/>
                   <a:t> </a:t>
                 </a:r>
                 <a:r>
-                  <a:rPr lang="en-US" dirty="0" err="1"/>
+                  <a:rPr lang="en-US" sz="1200" dirty="0" err="1"/>
                   <a:t>als</a:t>
                 </a:r>
                 <a:r>
-                  <a:rPr lang="en-US" dirty="0"/>
+                  <a:rPr lang="en-US" sz="1200" dirty="0"/>
                   <a:t> de </a:t>
                 </a:r>
                 <a:r>
-                  <a:rPr lang="en-US" dirty="0" err="1"/>
+                  <a:rPr lang="en-US" sz="1200" dirty="0" err="1"/>
                   <a:t>acceptatiekans</a:t>
                 </a:r>
                 <a:r>
-                  <a:rPr lang="en-US" dirty="0"/>
+                  <a:rPr lang="en-US" sz="1200" dirty="0"/>
                   <a:t> </a:t>
                 </a:r>
                 <a:r>
-                  <a:rPr lang="en-US" dirty="0" err="1"/>
+                  <a:rPr lang="en-US" sz="1200" dirty="0" err="1"/>
                   <a:t>groter</a:t>
                 </a:r>
                 <a:r>
-                  <a:rPr lang="en-US" dirty="0"/>
+                  <a:rPr lang="en-US" sz="1200" dirty="0"/>
                   <a:t> is dan de threshold.</a:t>
                 </a:r>
               </a:p>
@@ -24107,7 +23544,7 @@
             </p:txBody>
           </p:sp>
         </mc:Choice>
-        <mc:Fallback xmlns="">
+        <mc:Fallback>
           <p:sp>
             <p:nvSpPr>
               <p:cNvPr id="3" name="Text Placeholder 2">
@@ -24132,7 +23569,7 @@
               <a:blipFill>
                 <a:blip r:embed="rId2"/>
                 <a:stretch>
-                  <a:fillRect r="-804"/>
+                  <a:fillRect r="-771"/>
                 </a:stretch>
               </a:blipFill>
             </p:spPr>
@@ -24141,7 +23578,7 @@
               <a:lstStyle/>
               <a:p>
                 <a:r>
-                  <a:rPr lang="nl-NL">
+                  <a:rPr lang="en-US">
                     <a:noFill/>
                   </a:rPr>
                   <a:t> </a:t>

--- a/presentatie/finalpresentatie.pptx
+++ b/presentatie/finalpresentatie.pptx
@@ -22,8 +22,8 @@
     <p:sldId id="269" r:id="rId13"/>
     <p:sldId id="270" r:id="rId14"/>
     <p:sldId id="285" r:id="rId15"/>
-    <p:sldId id="280" r:id="rId16"/>
-    <p:sldId id="281" r:id="rId17"/>
+    <p:sldId id="286" r:id="rId16"/>
+    <p:sldId id="287" r:id="rId17"/>
   </p:sldIdLst>
   <p:sldSz cx="9144000" cy="5143500" type="screen16x9"/>
   <p:notesSz cx="6858000" cy="9144000"/>
@@ -3565,7 +3565,7 @@
             </a:pPr>
             <a:fld id="{00000000-1234-1234-1234-123412341234}" type="slidenum">
               <a:rPr lang="nl"/>
-              <a:t>‹#›</a:t>
+              <a:t>‹nr.›</a:t>
             </a:fld>
             <a:endParaRPr/>
           </a:p>
@@ -4541,7 +4541,7 @@
             </a:pPr>
             <a:fld id="{00000000-1234-1234-1234-123412341234}" type="slidenum">
               <a:rPr lang="nl"/>
-              <a:t>‹#›</a:t>
+              <a:t>‹nr.›</a:t>
             </a:fld>
             <a:endParaRPr/>
           </a:p>
@@ -5517,7 +5517,7 @@
             </a:pPr>
             <a:fld id="{00000000-1234-1234-1234-123412341234}" type="slidenum">
               <a:rPr lang="nl"/>
-              <a:t>‹#›</a:t>
+              <a:t>‹nr.›</a:t>
             </a:fld>
             <a:endParaRPr/>
           </a:p>
@@ -6530,7 +6530,7 @@
             </a:pPr>
             <a:fld id="{00000000-1234-1234-1234-123412341234}" type="slidenum">
               <a:rPr lang="nl"/>
-              <a:t>‹#›</a:t>
+              <a:t>‹nr.›</a:t>
             </a:fld>
             <a:endParaRPr/>
           </a:p>
@@ -7694,7 +7694,7 @@
             </a:pPr>
             <a:fld id="{00000000-1234-1234-1234-123412341234}" type="slidenum">
               <a:rPr lang="nl"/>
-              <a:t>‹#›</a:t>
+              <a:t>‹nr.›</a:t>
             </a:fld>
             <a:endParaRPr/>
           </a:p>
@@ -9232,7 +9232,7 @@
             </a:pPr>
             <a:fld id="{00000000-1234-1234-1234-123412341234}" type="slidenum">
               <a:rPr lang="nl"/>
-              <a:t>‹#›</a:t>
+              <a:t>‹nr.›</a:t>
             </a:fld>
             <a:endParaRPr/>
           </a:p>
@@ -10022,7 +10022,7 @@
             </a:pPr>
             <a:fld id="{00000000-1234-1234-1234-123412341234}" type="slidenum">
               <a:rPr lang="nl"/>
-              <a:t>‹#›</a:t>
+              <a:t>‹nr.›</a:t>
             </a:fld>
             <a:endParaRPr/>
           </a:p>
@@ -10648,7 +10648,7 @@
             </a:pPr>
             <a:fld id="{00000000-1234-1234-1234-123412341234}" type="slidenum">
               <a:rPr lang="nl"/>
-              <a:t>‹#›</a:t>
+              <a:t>‹nr.›</a:t>
             </a:fld>
             <a:endParaRPr/>
           </a:p>
@@ -11812,7 +11812,7 @@
             </a:pPr>
             <a:fld id="{00000000-1234-1234-1234-123412341234}" type="slidenum">
               <a:rPr lang="nl"/>
-              <a:t>‹#›</a:t>
+              <a:t>‹nr.›</a:t>
             </a:fld>
             <a:endParaRPr/>
           </a:p>
@@ -12788,7 +12788,7 @@
             </a:pPr>
             <a:fld id="{00000000-1234-1234-1234-123412341234}" type="slidenum">
               <a:rPr lang="nl"/>
-              <a:t>‹#›</a:t>
+              <a:t>‹nr.›</a:t>
             </a:fld>
             <a:endParaRPr/>
           </a:p>
@@ -14321,7 +14321,7 @@
             </a:pPr>
             <a:fld id="{00000000-1234-1234-1234-123412341234}" type="slidenum">
               <a:rPr lang="nl"/>
-              <a:t>‹#›</a:t>
+              <a:t>‹nr.›</a:t>
             </a:fld>
             <a:endParaRPr/>
           </a:p>
@@ -20552,7 +20552,10 @@
               <a:rPr lang="en-US" dirty="0" err="1"/>
               <a:t>Vervolgonderzoek</a:t>
             </a:r>
-            <a:endParaRPr lang="en-US" dirty="0"/>
+            <a:r>
+              <a:rPr lang="en-US" dirty="0"/>
+              <a:t>: Degeneracy</a:t>
+            </a:r>
           </a:p>
         </p:txBody>
       </p:sp>
@@ -20575,7 +20578,7 @@
         <p:spPr>
           <a:xfrm>
             <a:off x="460810" y="1237145"/>
-            <a:ext cx="7680600" cy="3311545"/>
+            <a:ext cx="7249026" cy="3311545"/>
           </a:xfrm>
         </p:spPr>
         <p:txBody>
@@ -20614,7 +20617,7 @@
                 <a:cs typeface="Avenir"/>
                 <a:sym typeface="Avenir"/>
               </a:rPr>
-              <a:t>ontworpen HP configuraties met lengte 48 zijn er 1000 tot 1.5 miljoen optimale vouwingen bekend (Yue et al., 1995). </a:t>
+              <a:t>ontworpen HP configuraties met lengte 48 zijn er 1000 tot 1.5 miljoen optimale vouwingen bekend (Yue et al., 1995).</a:t>
             </a:r>
           </a:p>
           <a:p>
@@ -20628,32 +20631,116 @@
                 <a:cs typeface="Avenir"/>
                 <a:sym typeface="Avenir"/>
               </a:rPr>
-              <a:t>Een relevante richting voor de simulatie van eiwitstructuren is het benaderen van ‘native states’, ofwel: hoe de structuren in de natuur voorkomen.</a:t>
+              <a:t>Een relevante richting voor </a:t>
+            </a:r>
+            <a:r>
+              <a:rPr lang="nl-NL" sz="1400" dirty="0"/>
+              <a:t>onze</a:t>
+            </a:r>
+            <a:r>
+              <a:rPr lang="nl-NL" sz="1400" dirty="0">
+                <a:solidFill>
+                  <a:schemeClr val="dk1"/>
+                </a:solidFill>
+                <a:latin typeface="Avenir"/>
+                <a:ea typeface="Avenir"/>
+                <a:cs typeface="Avenir"/>
+                <a:sym typeface="Avenir"/>
+              </a:rPr>
+              <a:t> simulatie van eiwitstructuren is het gebruiken van ‘</a:t>
+            </a:r>
+            <a:r>
+              <a:rPr lang="nl-NL" sz="1400" i="1" dirty="0">
+                <a:solidFill>
+                  <a:schemeClr val="dk1"/>
+                </a:solidFill>
+                <a:latin typeface="Avenir"/>
+                <a:ea typeface="Avenir"/>
+                <a:cs typeface="Avenir"/>
+                <a:sym typeface="Avenir"/>
+              </a:rPr>
+              <a:t>native </a:t>
+            </a:r>
+            <a:r>
+              <a:rPr lang="nl-NL" sz="1400" i="1" dirty="0" err="1">
+                <a:solidFill>
+                  <a:schemeClr val="dk1"/>
+                </a:solidFill>
+                <a:latin typeface="Avenir"/>
+                <a:ea typeface="Avenir"/>
+                <a:cs typeface="Avenir"/>
+                <a:sym typeface="Avenir"/>
+              </a:rPr>
+              <a:t>states</a:t>
+            </a:r>
+            <a:r>
+              <a:rPr lang="nl-NL" sz="1400" dirty="0">
+                <a:solidFill>
+                  <a:schemeClr val="dk1"/>
+                </a:solidFill>
+                <a:latin typeface="Avenir"/>
+                <a:ea typeface="Avenir"/>
+                <a:cs typeface="Avenir"/>
+                <a:sym typeface="Avenir"/>
+              </a:rPr>
+              <a:t>’.  </a:t>
+            </a:r>
+            <a:endParaRPr lang="nl-NL" sz="1600" dirty="0">
+              <a:latin typeface="Avenir Book" panose="02000503020000020003" pitchFamily="2" charset="0"/>
+            </a:endParaRPr>
+          </a:p>
+          <a:p>
+            <a:pPr marL="139700" indent="0">
+              <a:buNone/>
+            </a:pPr>
+            <a:r>
+              <a:rPr lang="nl-NL" sz="1400" dirty="0">
+                <a:latin typeface="Avenir Book" panose="02000503020000020003" pitchFamily="2" charset="0"/>
+              </a:rPr>
+              <a:t>String: 	HPHHPPHHHHPHHHPPHHPPHPHHHPHPHHPPHHPPPHPPPPPPPPHH </a:t>
+            </a:r>
+            <a:r>
+              <a:rPr lang="nl-NL" sz="1400" dirty="0" err="1">
+                <a:latin typeface="Avenir Book" panose="02000503020000020003" pitchFamily="2" charset="0"/>
+              </a:rPr>
+              <a:t>conformation</a:t>
+            </a:r>
+            <a:r>
+              <a:rPr lang="nl-NL" sz="1400" dirty="0">
+                <a:latin typeface="Avenir Book" panose="02000503020000020003" pitchFamily="2" charset="0"/>
+              </a:rPr>
+              <a:t>: (RFFRBULBULDFFFRBUFLBBRRFRBBLDDRUFDFULFURDDLLLBB)</a:t>
             </a:r>
           </a:p>
           <a:p>
             <a:pPr marL="139700" indent="0">
               <a:buNone/>
             </a:pPr>
-            <a:endParaRPr lang="nl-NL" sz="1600" dirty="0">
-              <a:solidFill>
-                <a:schemeClr val="dk1"/>
-              </a:solidFill>
-              <a:latin typeface="Avenir"/>
-              <a:ea typeface="Avenir"/>
-              <a:cs typeface="Avenir"/>
-              <a:sym typeface="Avenir"/>
-            </a:endParaRPr>
-          </a:p>
-          <a:p>
-            <a:endParaRPr lang="en-US" dirty="0"/>
+            <a:r>
+              <a:rPr lang="nl-NL" sz="1400" dirty="0">
+                <a:latin typeface="Avenir Book" panose="02000503020000020003" pitchFamily="2" charset="0"/>
+              </a:rPr>
+              <a:t>					</a:t>
+            </a:r>
+            <a:r>
+              <a:rPr lang="nl-NL" sz="1400" dirty="0" err="1">
+                <a:latin typeface="Avenir Book" panose="02000503020000020003" pitchFamily="2" charset="0"/>
+              </a:rPr>
+              <a:t>Yue</a:t>
+            </a:r>
+            <a:r>
+              <a:rPr lang="nl-NL" sz="1400" dirty="0">
+                <a:latin typeface="Avenir Book" panose="02000503020000020003" pitchFamily="2" charset="0"/>
+              </a:rPr>
+              <a:t> et al. (1995) p.326</a:t>
+            </a:r>
           </a:p>
         </p:txBody>
       </p:sp>
     </p:spTree>
     <p:extLst>
       <p:ext uri="{BB962C8B-B14F-4D97-AF65-F5344CB8AC3E}">
-        <p14:creationId xmlns:p14="http://schemas.microsoft.com/office/powerpoint/2010/main" val="1782995448"/>
+        <p14:creationId xmlns:p14="http://schemas.microsoft.com/office/powerpoint/2010/main" val="1652337462"/>
       </p:ext>
     </p:extLst>
   </p:cSld>
@@ -20791,7 +20878,7 @@
     </p:spTree>
     <p:extLst>
       <p:ext uri="{BB962C8B-B14F-4D97-AF65-F5344CB8AC3E}">
-        <p14:creationId xmlns:p14="http://schemas.microsoft.com/office/powerpoint/2010/main" val="3261668421"/>
+        <p14:creationId xmlns:p14="http://schemas.microsoft.com/office/powerpoint/2010/main" val="3088827077"/>
       </p:ext>
     </p:extLst>
   </p:cSld>
@@ -22444,6 +22531,25 @@
               <a:rPr lang="en-US" sz="1400" dirty="0"/>
               <a:t>Genetic (2D)</a:t>
             </a:r>
+            <a:r>
+              <a:rPr lang="nl-NL" sz="1400" dirty="0"/>
+              <a:t> </a:t>
+            </a:r>
+          </a:p>
+          <a:p>
+            <a:pPr marL="635000" lvl="1" indent="-177800">
+              <a:spcBef>
+                <a:spcPts val="800"/>
+              </a:spcBef>
+            </a:pPr>
+            <a:r>
+              <a:rPr lang="nl-NL" sz="1400" dirty="0" err="1"/>
+              <a:t>Firefly</a:t>
+            </a:r>
+            <a:r>
+              <a:rPr lang="nl-NL" sz="1400" dirty="0"/>
+              <a:t> (2D)</a:t>
+            </a:r>
             <a:endParaRPr sz="1400" dirty="0"/>
           </a:p>
           <a:p>
@@ -22513,18 +22619,6 @@
             <a:r>
               <a:rPr lang="nl" sz="1400" dirty="0"/>
               <a:t>Tree (2D)</a:t>
-            </a:r>
-            <a:endParaRPr dirty="0"/>
-          </a:p>
-          <a:p>
-            <a:pPr marL="635000" lvl="1" indent="-177800">
-              <a:spcBef>
-                <a:spcPts val="800"/>
-              </a:spcBef>
-            </a:pPr>
-            <a:r>
-              <a:rPr lang="nl" sz="1400" dirty="0"/>
-              <a:t>Firefly (2D)</a:t>
             </a:r>
             <a:endParaRPr dirty="0"/>
           </a:p>
@@ -23078,8 +23172,8 @@
           </a:p>
         </p:txBody>
       </p:sp>
-      <mc:AlternateContent xmlns:mc="http://schemas.openxmlformats.org/markup-compatibility/2006">
-        <mc:Choice xmlns:a14="http://schemas.microsoft.com/office/drawing/2010/main" Requires="a14">
+      <mc:AlternateContent xmlns:mc="http://schemas.openxmlformats.org/markup-compatibility/2006" xmlns:a14="http://schemas.microsoft.com/office/drawing/2010/main">
+        <mc:Choice Requires="a14">
           <p:sp>
             <p:nvSpPr>
               <p:cNvPr id="3" name="Text Placeholder 2">
@@ -23544,7 +23638,7 @@
             </p:txBody>
           </p:sp>
         </mc:Choice>
-        <mc:Fallback>
+        <mc:Fallback xmlns="">
           <p:sp>
             <p:nvSpPr>
               <p:cNvPr id="3" name="Text Placeholder 2">

--- a/presentatie/finalpresentatie.pptx
+++ b/presentatie/finalpresentatie.pptx
@@ -20693,11 +20693,25 @@
             <a:pPr marL="139700" indent="0">
               <a:buNone/>
             </a:pPr>
+            <a:endParaRPr lang="nl-NL" sz="1400">
+              <a:latin typeface="Avenir Book" panose="02000503020000020003" pitchFamily="2" charset="0"/>
+            </a:endParaRPr>
+          </a:p>
+          <a:p>
+            <a:pPr marL="139700" indent="0">
+              <a:buNone/>
+            </a:pPr>
+            <a:r>
+              <a:rPr lang="nl-NL" sz="1400">
+                <a:latin typeface="Avenir Book" panose="02000503020000020003" pitchFamily="2" charset="0"/>
+              </a:rPr>
+              <a:t>String</a:t>
+            </a:r>
             <a:r>
               <a:rPr lang="nl-NL" sz="1400" dirty="0">
                 <a:latin typeface="Avenir Book" panose="02000503020000020003" pitchFamily="2" charset="0"/>
               </a:rPr>
-              <a:t>String: 	HPHHPPHHHHPHHHPPHHPPHPHHHPHPHHPPHHPPPHPPPPPPPPHH </a:t>
+              <a:t>: 	HPHHPPHHHHPHHHPPHHPPHPHHHPHPHHPPHHPPPHPPPPPPPPHH </a:t>
             </a:r>
             <a:r>
               <a:rPr lang="nl-NL" sz="1400" dirty="0" err="1">
